--- a/themeforest-6705726-stroller-mobile-tablet-responsive-template/presentacion/odc_presentacion.pptx
+++ b/themeforest-6705726-stroller-mobile-tablet-responsive-template/presentacion/odc_presentacion.pptx
@@ -116,7 +116,7 @@
   </p:defaultTextStyle>
   <p:extLst>
     <p:ext uri="{EFAFB233-063F-42B5-8137-9DF3F51BA10A}">
-      <p15:sldGuideLst xmlns:p15="http://schemas.microsoft.com/office/powerpoint/2012/main" xmlns="">
+      <p15:sldGuideLst xmlns="" xmlns:p15="http://schemas.microsoft.com/office/powerpoint/2012/main">
         <p15:guide id="1" orient="horz" pos="2160">
           <p15:clr>
             <a:srgbClr val="A4A3A4"/>
@@ -4993,11 +4993,7 @@
             </a:r>
             <a:r>
               <a:rPr lang="en-US" sz="2800" dirty="0" smtClean="0"/>
-              <a:t>n</a:t>
-            </a:r>
-            <a:r>
-              <a:rPr lang="en-US" sz="2800" dirty="0" smtClean="0"/>
-              <a:t> </a:t>
+              <a:t>n </a:t>
             </a:r>
             <a:r>
               <a:rPr lang="en-US" sz="2800" dirty="0" err="1" smtClean="0"/>
@@ -5165,11 +5161,7 @@
           <a:p>
             <a:r>
               <a:rPr lang="es-CO" sz="2400" dirty="0" smtClean="0"/>
-              <a:t>Información precisa de las </a:t>
-            </a:r>
-            <a:r>
-              <a:rPr lang="es-CO" sz="2400" dirty="0" smtClean="0"/>
-              <a:t>drogas, caracter</a:t>
+              <a:t>Información precisa de las drogas, caracter</a:t>
             </a:r>
             <a:r>
               <a:rPr lang="cs-CZ" sz="2400" dirty="0" err="1"/>
@@ -5179,7 +5171,6 @@
               <a:rPr lang="es-CO" sz="2400" dirty="0" smtClean="0"/>
               <a:t>sticas, efectos.</a:t>
             </a:r>
-            <a:endParaRPr lang="es-CO" sz="2400" dirty="0" smtClean="0"/>
           </a:p>
         </p:txBody>
       </p:sp>
@@ -6125,11 +6116,7 @@
           <a:p>
             <a:r>
               <a:rPr lang="en-US" sz="2800" dirty="0" smtClean="0"/>
-              <a:t>De </a:t>
-            </a:r>
-            <a:r>
-              <a:rPr lang="en-US" sz="2800" dirty="0" smtClean="0"/>
-              <a:t>forma </a:t>
+              <a:t>De forma </a:t>
             </a:r>
             <a:r>
               <a:rPr lang="en-US" sz="2800" dirty="0"/>
@@ -6394,7 +6381,7 @@
       </p:sp>
       <p:pic>
         <p:nvPicPr>
-          <p:cNvPr id="2" name="Imagen 1" descr="Captura de pantalla 2014-03-30 a la(s) 8.50.30.png"/>
+          <p:cNvPr id="4" name="Imagen 3" descr="Captura de pantalla 2014-03-30 a la(s) 10.26.31.png"/>
           <p:cNvPicPr>
             <a:picLocks noChangeAspect="1"/>
           </p:cNvPicPr>
@@ -6414,22 +6401,12 @@
         </p:blipFill>
         <p:spPr>
           <a:xfrm>
-            <a:off x="4476135" y="548680"/>
-            <a:ext cx="4488353" cy="5801196"/>
+            <a:off x="4283968" y="404664"/>
+            <a:ext cx="4585765" cy="5516373"/>
           </a:xfrm>
           <a:prstGeom prst="rect">
             <a:avLst/>
           </a:prstGeom>
-          <a:ln>
-            <a:noFill/>
-          </a:ln>
-          <a:effectLst>
-            <a:outerShdw blurRad="292100" dist="139700" dir="2700000" algn="tl" rotWithShape="0">
-              <a:srgbClr val="333333">
-                <a:alpha val="65000"/>
-              </a:srgbClr>
-            </a:outerShdw>
-          </a:effectLst>
         </p:spPr>
       </p:pic>
     </p:spTree>

--- a/themeforest-6705726-stroller-mobile-tablet-responsive-template/presentacion/odc_presentacion.pptx
+++ b/themeforest-6705726-stroller-mobile-tablet-responsive-template/presentacion/odc_presentacion.pptx
@@ -116,7 +116,7 @@
   </p:defaultTextStyle>
   <p:extLst>
     <p:ext uri="{EFAFB233-063F-42B5-8137-9DF3F51BA10A}">
-      <p15:sldGuideLst xmlns="" xmlns:p15="http://schemas.microsoft.com/office/powerpoint/2012/main">
+      <p15:sldGuideLst xmlns:p15="http://schemas.microsoft.com/office/powerpoint/2012/main" xmlns="">
         <p15:guide id="1" orient="horz" pos="2160">
           <p15:clr>
             <a:srgbClr val="A4A3A4"/>
@@ -5384,7 +5384,7 @@
       </p:sp>
       <p:pic>
         <p:nvPicPr>
-          <p:cNvPr id="4" name="Imagen 3" descr="Captura de pantalla 2014-03-30 a la(s) 7.24.02.png"/>
+          <p:cNvPr id="5" name="Imagen 4" descr="2014-03-30 14.44.19.png"/>
           <p:cNvPicPr>
             <a:picLocks noChangeAspect="1"/>
           </p:cNvPicPr>
@@ -5404,8 +5404,8 @@
         </p:blipFill>
         <p:spPr>
           <a:xfrm>
-            <a:off x="4500806" y="476672"/>
-            <a:ext cx="4103642" cy="5544616"/>
+            <a:off x="4499992" y="404664"/>
+            <a:ext cx="3726160" cy="5589240"/>
           </a:xfrm>
           <a:prstGeom prst="rect">
             <a:avLst/>
@@ -6156,7 +6156,7 @@
       </p:sp>
       <p:pic>
         <p:nvPicPr>
-          <p:cNvPr id="6" name="Imagen 5" descr="Captura de pantalla 2014-03-30 a la(s) 8.18.02.png"/>
+          <p:cNvPr id="4" name="Imagen 3" descr="2014-03-30 14.39.42.png"/>
           <p:cNvPicPr>
             <a:picLocks noChangeAspect="1"/>
           </p:cNvPicPr>
@@ -6176,8 +6176,8 @@
         </p:blipFill>
         <p:spPr>
           <a:xfrm>
-            <a:off x="4716016" y="188640"/>
-            <a:ext cx="3888432" cy="4070229"/>
+            <a:off x="4499992" y="188640"/>
+            <a:ext cx="3995936" cy="5993904"/>
           </a:xfrm>
           <a:prstGeom prst="rect">
             <a:avLst/>
@@ -6192,36 +6192,6 @@
               </a:srgbClr>
             </a:outerShdw>
           </a:effectLst>
-        </p:spPr>
-      </p:pic>
-      <p:pic>
-        <p:nvPicPr>
-          <p:cNvPr id="7" name="Imagen 6" descr="Captura de pantalla 2014-03-30 a la(s) 8.23.46.png"/>
-          <p:cNvPicPr>
-            <a:picLocks noChangeAspect="1"/>
-          </p:cNvPicPr>
-          <p:nvPr/>
-        </p:nvPicPr>
-        <p:blipFill>
-          <a:blip r:embed="rId3">
-            <a:extLst>
-              <a:ext uri="{28A0092B-C50C-407E-A947-70E740481C1C}">
-                <a14:useLocalDpi xmlns:a14="http://schemas.microsoft.com/office/drawing/2010/main" val="0"/>
-              </a:ext>
-            </a:extLst>
-          </a:blip>
-          <a:stretch>
-            <a:fillRect/>
-          </a:stretch>
-        </p:blipFill>
-        <p:spPr>
-          <a:xfrm>
-            <a:off x="4716016" y="2924944"/>
-            <a:ext cx="3888432" cy="3738063"/>
-          </a:xfrm>
-          <a:prstGeom prst="rect">
-            <a:avLst/>
-          </a:prstGeom>
         </p:spPr>
       </p:pic>
     </p:spTree>
@@ -6407,6 +6377,16 @@
           <a:prstGeom prst="rect">
             <a:avLst/>
           </a:prstGeom>
+          <a:ln>
+            <a:noFill/>
+          </a:ln>
+          <a:effectLst>
+            <a:outerShdw blurRad="292100" dist="139700" dir="2700000" algn="tl" rotWithShape="0">
+              <a:srgbClr val="333333">
+                <a:alpha val="65000"/>
+              </a:srgbClr>
+            </a:outerShdw>
+          </a:effectLst>
         </p:spPr>
       </p:pic>
     </p:spTree>

--- a/themeforest-6705726-stroller-mobile-tablet-responsive-template/presentacion/odc_presentacion.pptx
+++ b/themeforest-6705726-stroller-mobile-tablet-responsive-template/presentacion/odc_presentacion.pptx
@@ -5488,16 +5488,8 @@
           <a:lstStyle/>
           <a:p>
             <a:r>
-              <a:rPr lang="es-CO" dirty="0" smtClean="0"/>
-              <a:t>Informaci</a:t>
-            </a:r>
-            <a:r>
-              <a:rPr lang="es-ES" dirty="0" err="1" smtClean="0"/>
-              <a:t>ón</a:t>
-            </a:r>
-            <a:r>
-              <a:rPr lang="es-CO" dirty="0" smtClean="0"/>
-              <a:t> </a:t>
+              <a:rPr lang="en-US" dirty="0" err="1" smtClean="0"/>
+              <a:t>Reconozca</a:t>
             </a:r>
             <a:endParaRPr lang="es-CO" dirty="0"/>
           </a:p>
@@ -5527,7 +5519,11 @@
           <a:p>
             <a:r>
               <a:rPr lang="es-CO" sz="2800" dirty="0" smtClean="0"/>
-              <a:t>Apreda a reconocer la droga</a:t>
+              <a:t>Aprenda </a:t>
+            </a:r>
+            <a:r>
+              <a:rPr lang="es-CO" sz="2800" dirty="0" smtClean="0"/>
+              <a:t>a reconocer la droga</a:t>
             </a:r>
             <a:endParaRPr lang="es-CO" sz="2800" dirty="0"/>
           </a:p>
@@ -5640,7 +5636,15 @@
           <a:p>
             <a:r>
               <a:rPr lang="en-US" dirty="0" err="1" smtClean="0"/>
-              <a:t>Acompanamiento</a:t>
+              <a:t>Acompa</a:t>
+            </a:r>
+            <a:r>
+              <a:rPr lang="es-ES_tradnl" dirty="0"/>
+              <a:t>ñ</a:t>
+            </a:r>
+            <a:r>
+              <a:rPr lang="en-US" dirty="0" err="1" smtClean="0"/>
+              <a:t>amiento</a:t>
             </a:r>
             <a:endParaRPr lang="es-CO" dirty="0"/>
           </a:p>
@@ -6564,7 +6568,7 @@
       </p:sp>
       <p:pic>
         <p:nvPicPr>
-          <p:cNvPr id="4" name="Imagen 3" descr="Captura de pantalla 2014-03-30 a la(s) 8.53.31.png"/>
+          <p:cNvPr id="2" name="Imagen 1" descr="2014-03-30 14.48.47.png"/>
           <p:cNvPicPr>
             <a:picLocks noChangeAspect="1"/>
           </p:cNvPicPr>
@@ -6584,8 +6588,8 @@
         </p:blipFill>
         <p:spPr>
           <a:xfrm>
-            <a:off x="3919127" y="1412776"/>
-            <a:ext cx="4973353" cy="5040560"/>
+            <a:off x="4860032" y="332656"/>
+            <a:ext cx="3630150" cy="5445224"/>
           </a:xfrm>
           <a:prstGeom prst="rect">
             <a:avLst/>

--- a/themeforest-6705726-stroller-mobile-tablet-responsive-template/presentacion/odc_presentacion.pptx
+++ b/themeforest-6705726-stroller-mobile-tablet-responsive-template/presentacion/odc_presentacion.pptx
@@ -5169,8 +5169,13 @@
             </a:r>
             <a:r>
               <a:rPr lang="es-CO" sz="2400" dirty="0" smtClean="0"/>
-              <a:t>sticas, efectos.</a:t>
-            </a:r>
+              <a:t>sticas, </a:t>
+            </a:r>
+            <a:r>
+              <a:rPr lang="es-CO" sz="2400" dirty="0" smtClean="0"/>
+              <a:t>efectos y presentaciones</a:t>
+            </a:r>
+            <a:endParaRPr lang="es-CO" sz="2400" dirty="0" smtClean="0"/>
           </a:p>
         </p:txBody>
       </p:sp>
@@ -5839,7 +5844,7 @@
       </p:sp>
       <p:pic>
         <p:nvPicPr>
-          <p:cNvPr id="2" name="Imagen 1" descr="Captura de pantalla 2014-03-30 a la(s) 8.33.59.png"/>
+          <p:cNvPr id="6" name="Imagen 5" descr="Captura de pantalla 2014-03-30 a la(s) 8.36.38.png"/>
           <p:cNvPicPr>
             <a:picLocks noChangeAspect="1"/>
           </p:cNvPicPr>
@@ -5859,8 +5864,8 @@
         </p:blipFill>
         <p:spPr>
           <a:xfrm>
-            <a:off x="395536" y="1412776"/>
-            <a:ext cx="3757712" cy="4725144"/>
+            <a:off x="5364088" y="8632"/>
+            <a:ext cx="3549461" cy="3037168"/>
           </a:xfrm>
           <a:prstGeom prst="rect">
             <a:avLst/>
@@ -5879,7 +5884,7 @@
       </p:pic>
       <p:pic>
         <p:nvPicPr>
-          <p:cNvPr id="6" name="Imagen 5" descr="Captura de pantalla 2014-03-30 a la(s) 8.36.38.png"/>
+          <p:cNvPr id="8" name="Imagen 7" descr="Captura de pantalla 2014-03-30 a la(s) 8.42.02.png"/>
           <p:cNvPicPr>
             <a:picLocks noChangeAspect="1"/>
           </p:cNvPicPr>
@@ -5899,8 +5904,8 @@
         </p:blipFill>
         <p:spPr>
           <a:xfrm>
-            <a:off x="5364088" y="8632"/>
-            <a:ext cx="3549461" cy="3037168"/>
+            <a:off x="5364088" y="3211171"/>
+            <a:ext cx="3600400" cy="3530197"/>
           </a:xfrm>
           <a:prstGeom prst="rect">
             <a:avLst/>
@@ -5917,42 +5922,9 @@
           </a:effectLst>
         </p:spPr>
       </p:pic>
-      <p:cxnSp>
-        <p:nvCxnSpPr>
-          <p:cNvPr id="7" name="9 Conector recto de flecha"/>
-          <p:cNvCxnSpPr/>
-          <p:nvPr/>
-        </p:nvCxnSpPr>
-        <p:spPr>
-          <a:xfrm rot="5400000" flipH="1" flipV="1">
-            <a:off x="3494160" y="2994672"/>
-            <a:ext cx="1857388" cy="1285884"/>
-          </a:xfrm>
-          <a:prstGeom prst="straightConnector1">
-            <a:avLst/>
-          </a:prstGeom>
-          <a:ln w="38100">
-            <a:tailEnd type="arrow"/>
-          </a:ln>
-        </p:spPr>
-        <p:style>
-          <a:lnRef idx="1">
-            <a:schemeClr val="accent1"/>
-          </a:lnRef>
-          <a:fillRef idx="0">
-            <a:schemeClr val="accent1"/>
-          </a:fillRef>
-          <a:effectRef idx="0">
-            <a:schemeClr val="accent1"/>
-          </a:effectRef>
-          <a:fontRef idx="minor">
-            <a:schemeClr val="tx1"/>
-          </a:fontRef>
-        </p:style>
-      </p:cxnSp>
       <p:pic>
         <p:nvPicPr>
-          <p:cNvPr id="8" name="Imagen 7" descr="Captura de pantalla 2014-03-30 a la(s) 8.42.02.png"/>
+          <p:cNvPr id="4" name="Imagen 3" descr="2014-03-30 15.11.33.png"/>
           <p:cNvPicPr>
             <a:picLocks noChangeAspect="1"/>
           </p:cNvPicPr>
@@ -5972,8 +5944,8 @@
         </p:blipFill>
         <p:spPr>
           <a:xfrm>
-            <a:off x="5364088" y="3211171"/>
-            <a:ext cx="3600400" cy="3530197"/>
+            <a:off x="755576" y="1484784"/>
+            <a:ext cx="3189387" cy="4784080"/>
           </a:xfrm>
           <a:prstGeom prst="rect">
             <a:avLst/>
@@ -5992,14 +5964,47 @@
       </p:pic>
       <p:cxnSp>
         <p:nvCxnSpPr>
-          <p:cNvPr id="9" name="9 Conector recto de flecha"/>
+          <p:cNvPr id="10" name="9 Conector recto de flecha"/>
           <p:cNvCxnSpPr/>
           <p:nvPr/>
         </p:nvCxnSpPr>
         <p:spPr>
-          <a:xfrm>
-            <a:off x="3707904" y="5301208"/>
-            <a:ext cx="1656184" cy="720080"/>
+          <a:xfrm flipV="1">
+            <a:off x="2627784" y="2492896"/>
+            <a:ext cx="2304256" cy="2376264"/>
+          </a:xfrm>
+          <a:prstGeom prst="straightConnector1">
+            <a:avLst/>
+          </a:prstGeom>
+          <a:ln w="38100">
+            <a:tailEnd type="arrow"/>
+          </a:ln>
+        </p:spPr>
+        <p:style>
+          <a:lnRef idx="1">
+            <a:schemeClr val="accent1"/>
+          </a:lnRef>
+          <a:fillRef idx="0">
+            <a:schemeClr val="accent1"/>
+          </a:fillRef>
+          <a:effectRef idx="0">
+            <a:schemeClr val="accent1"/>
+          </a:effectRef>
+          <a:fontRef idx="minor">
+            <a:schemeClr val="tx1"/>
+          </a:fontRef>
+        </p:style>
+      </p:cxnSp>
+      <p:cxnSp>
+        <p:nvCxnSpPr>
+          <p:cNvPr id="12" name="9 Conector recto de flecha"/>
+          <p:cNvCxnSpPr/>
+          <p:nvPr/>
+        </p:nvCxnSpPr>
+        <p:spPr>
+          <a:xfrm flipV="1">
+            <a:off x="2411760" y="3717032"/>
+            <a:ext cx="3312368" cy="2088232"/>
           </a:xfrm>
           <a:prstGeom prst="straightConnector1">
             <a:avLst/>
@@ -6160,7 +6165,7 @@
       </p:sp>
       <p:pic>
         <p:nvPicPr>
-          <p:cNvPr id="4" name="Imagen 3" descr="2014-03-30 14.39.42.png"/>
+          <p:cNvPr id="8" name="Imagen 7" descr="2014-03-30 15.12.02.png"/>
           <p:cNvPicPr>
             <a:picLocks noChangeAspect="1"/>
           </p:cNvPicPr>
@@ -6180,8 +6185,8 @@
         </p:blipFill>
         <p:spPr>
           <a:xfrm>
-            <a:off x="4499992" y="188640"/>
-            <a:ext cx="3995936" cy="5993904"/>
+            <a:off x="4572000" y="260648"/>
+            <a:ext cx="3840427" cy="5760640"/>
           </a:xfrm>
           <a:prstGeom prst="rect">
             <a:avLst/>
@@ -6355,7 +6360,7 @@
       </p:sp>
       <p:pic>
         <p:nvPicPr>
-          <p:cNvPr id="4" name="Imagen 3" descr="Captura de pantalla 2014-03-30 a la(s) 10.26.31.png"/>
+          <p:cNvPr id="2" name="Imagen 1" descr="2014-03-30 15.52.43.png"/>
           <p:cNvPicPr>
             <a:picLocks noChangeAspect="1"/>
           </p:cNvPicPr>
@@ -6375,8 +6380,8 @@
         </p:blipFill>
         <p:spPr>
           <a:xfrm>
-            <a:off x="4283968" y="404664"/>
-            <a:ext cx="4585765" cy="5516373"/>
+            <a:off x="4572000" y="144016"/>
+            <a:ext cx="4014192" cy="6021288"/>
           </a:xfrm>
           <a:prstGeom prst="rect">
             <a:avLst/>

--- a/themeforest-6705726-stroller-mobile-tablet-responsive-template/presentacion/odc_presentacion.pptx
+++ b/themeforest-6705726-stroller-mobile-tablet-responsive-template/presentacion/odc_presentacion.pptx
@@ -116,7 +116,7 @@
   </p:defaultTextStyle>
   <p:extLst>
     <p:ext uri="{EFAFB233-063F-42B5-8137-9DF3F51BA10A}">
-      <p15:sldGuideLst xmlns:p15="http://schemas.microsoft.com/office/powerpoint/2012/main" xmlns="">
+      <p15:sldGuideLst xmlns="" xmlns:p15="http://schemas.microsoft.com/office/powerpoint/2012/main">
         <p15:guide id="1" orient="horz" pos="2160">
           <p15:clr>
             <a:srgbClr val="A4A3A4"/>
@@ -5169,13 +5169,8 @@
             </a:r>
             <a:r>
               <a:rPr lang="es-CO" sz="2400" dirty="0" smtClean="0"/>
-              <a:t>sticas, </a:t>
-            </a:r>
-            <a:r>
-              <a:rPr lang="es-CO" sz="2400" dirty="0" smtClean="0"/>
-              <a:t>efectos y presentaciones</a:t>
-            </a:r>
-            <a:endParaRPr lang="es-CO" sz="2400" dirty="0" smtClean="0"/>
+              <a:t>sticas, efectos y presentaciones</a:t>
+            </a:r>
           </a:p>
         </p:txBody>
       </p:sp>
@@ -5225,7 +5220,7 @@
         <p:spPr>
           <a:xfrm>
             <a:off x="4283968" y="692696"/>
-            <a:ext cx="4392488" cy="5367379"/>
+            <a:ext cx="3960440" cy="5367379"/>
           </a:xfrm>
           <a:prstGeom prst="rect">
             <a:avLst/>
@@ -5524,11 +5519,7 @@
           <a:p>
             <a:r>
               <a:rPr lang="es-CO" sz="2800" dirty="0" smtClean="0"/>
-              <a:t>Aprenda </a:t>
-            </a:r>
-            <a:r>
-              <a:rPr lang="es-CO" sz="2800" dirty="0" smtClean="0"/>
-              <a:t>a reconocer la droga</a:t>
+              <a:t>Aprenda a reconocer la droga</a:t>
             </a:r>
             <a:endParaRPr lang="es-CO" sz="2800" dirty="0"/>
           </a:p>
